--- a/Flask_news_app.pptx
+++ b/Flask_news_app.pptx
@@ -16,6 +16,8 @@
     <p:sldId id="265" r:id="rId10"/>
     <p:sldId id="263" r:id="rId11"/>
     <p:sldId id="266" r:id="rId12"/>
+    <p:sldId id="267" r:id="rId13"/>
+    <p:sldId id="269" r:id="rId14"/>
   </p:sldIdLst>
   <p:sldSz cx="12192000" cy="6858000"/>
   <p:notesSz cx="6858000" cy="9144000"/>
@@ -114,6 +116,11 @@
       </a:defRPr>
     </a:lvl9pPr>
   </p:defaultTextStyle>
+  <p:extLst>
+    <p:ext uri="{EFAFB233-063F-42B5-8137-9DF3F51BA10A}">
+      <p15:sldGuideLst xmlns:p15="http://schemas.microsoft.com/office/powerpoint/2012/main"/>
+    </p:ext>
+  </p:extLst>
 </p:presentation>
 </file>
 
@@ -5843,6 +5850,457 @@
 </p:sld>
 </file>
 
+<file path=ppt/slides/slide12.xml><?xml version="1.0" encoding="utf-8"?>
+<p:sld xmlns:a="http://schemas.openxmlformats.org/drawingml/2006/main" xmlns:r="http://schemas.openxmlformats.org/officeDocument/2006/relationships" xmlns:p="http://schemas.openxmlformats.org/presentationml/2006/main">
+  <p:cSld>
+    <p:spTree>
+      <p:nvGrpSpPr>
+        <p:cNvPr id="1" name=""/>
+        <p:cNvGrpSpPr/>
+        <p:nvPr/>
+      </p:nvGrpSpPr>
+      <p:grpSpPr>
+        <a:xfrm>
+          <a:off x="0" y="0"/>
+          <a:ext cx="0" cy="0"/>
+          <a:chOff x="0" y="0"/>
+          <a:chExt cx="0" cy="0"/>
+        </a:xfrm>
+      </p:grpSpPr>
+      <p:sp>
+        <p:nvSpPr>
+          <p:cNvPr id="2" name="Title 1">
+            <a:extLst>
+              <a:ext uri="{FF2B5EF4-FFF2-40B4-BE49-F238E27FC236}">
+                <a16:creationId xmlns:a16="http://schemas.microsoft.com/office/drawing/2014/main" id="{EE2E1B90-91A0-4C33-A197-4EC677F93032}"/>
+              </a:ext>
+            </a:extLst>
+          </p:cNvPr>
+          <p:cNvSpPr>
+            <a:spLocks noGrp="1"/>
+          </p:cNvSpPr>
+          <p:nvPr>
+            <p:ph type="title"/>
+          </p:nvPr>
+        </p:nvSpPr>
+        <p:spPr/>
+        <p:txBody>
+          <a:bodyPr/>
+          <a:lstStyle/>
+          <a:p>
+            <a:r>
+              <a:rPr lang="en-US" dirty="0"/>
+              <a:t>Next target</a:t>
+            </a:r>
+            <a:endParaRPr lang="en-ID" dirty="0"/>
+          </a:p>
+        </p:txBody>
+      </p:sp>
+      <p:sp>
+        <p:nvSpPr>
+          <p:cNvPr id="3" name="Content Placeholder 2">
+            <a:extLst>
+              <a:ext uri="{FF2B5EF4-FFF2-40B4-BE49-F238E27FC236}">
+                <a16:creationId xmlns:a16="http://schemas.microsoft.com/office/drawing/2014/main" id="{109BC56D-693E-4FBA-A71C-B0C3521D5F91}"/>
+              </a:ext>
+            </a:extLst>
+          </p:cNvPr>
+          <p:cNvSpPr>
+            <a:spLocks noGrp="1"/>
+          </p:cNvSpPr>
+          <p:nvPr>
+            <p:ph idx="1"/>
+          </p:nvPr>
+        </p:nvSpPr>
+        <p:spPr/>
+        <p:txBody>
+          <a:bodyPr/>
+          <a:lstStyle/>
+          <a:p>
+            <a:r>
+              <a:rPr lang="en-US" dirty="0"/>
+              <a:t>Docker compose </a:t>
+            </a:r>
+            <a:r>
+              <a:rPr lang="en-US" dirty="0" err="1"/>
+              <a:t>masih</a:t>
+            </a:r>
+            <a:r>
+              <a:rPr lang="en-US" dirty="0"/>
+              <a:t> </a:t>
+            </a:r>
+            <a:r>
+              <a:rPr lang="en-US" dirty="0" err="1"/>
+              <a:t>belum</a:t>
+            </a:r>
+            <a:r>
+              <a:rPr lang="en-US" dirty="0"/>
+              <a:t> </a:t>
+            </a:r>
+            <a:r>
+              <a:rPr lang="en-US" dirty="0" err="1"/>
+              <a:t>berjalan</a:t>
+            </a:r>
+            <a:r>
+              <a:rPr lang="en-US" dirty="0"/>
+              <a:t> </a:t>
+            </a:r>
+            <a:r>
+              <a:rPr lang="en-US" dirty="0" err="1"/>
+              <a:t>karena</a:t>
+            </a:r>
+            <a:r>
+              <a:rPr lang="en-US" dirty="0"/>
+              <a:t> container </a:t>
+            </a:r>
+            <a:r>
+              <a:rPr lang="en-US" dirty="0" err="1"/>
+              <a:t>aplikasi</a:t>
+            </a:r>
+            <a:r>
+              <a:rPr lang="en-US" dirty="0"/>
+              <a:t> dan database </a:t>
+            </a:r>
+            <a:r>
+              <a:rPr lang="en-US" dirty="0" err="1"/>
+              <a:t>masih</a:t>
+            </a:r>
+            <a:r>
+              <a:rPr lang="en-US" dirty="0"/>
+              <a:t> </a:t>
+            </a:r>
+            <a:r>
+              <a:rPr lang="en-US" dirty="0" err="1"/>
+              <a:t>belum</a:t>
+            </a:r>
+            <a:r>
+              <a:rPr lang="en-US" dirty="0"/>
+              <a:t> </a:t>
+            </a:r>
+            <a:r>
+              <a:rPr lang="en-US" dirty="0" err="1"/>
+              <a:t>bisa</a:t>
+            </a:r>
+            <a:r>
+              <a:rPr lang="en-US" dirty="0"/>
+              <a:t> connect</a:t>
+            </a:r>
+          </a:p>
+          <a:p>
+            <a:r>
+              <a:rPr lang="en-US" dirty="0" err="1"/>
+              <a:t>Tambah</a:t>
+            </a:r>
+            <a:r>
+              <a:rPr lang="en-US" dirty="0"/>
+              <a:t> route </a:t>
+            </a:r>
+            <a:r>
+              <a:rPr lang="en-US" dirty="0" err="1"/>
+              <a:t>lainnya</a:t>
+            </a:r>
+            <a:r>
+              <a:rPr lang="en-US" dirty="0"/>
+              <a:t> (</a:t>
+            </a:r>
+            <a:r>
+              <a:rPr lang="en-US" dirty="0" err="1"/>
+              <a:t>fungsi</a:t>
+            </a:r>
+            <a:r>
+              <a:rPr lang="en-US" dirty="0"/>
+              <a:t> search, edit data)</a:t>
+            </a:r>
+          </a:p>
+          <a:p>
+            <a:r>
+              <a:rPr lang="en-US" dirty="0" err="1"/>
+              <a:t>Memperbaiki</a:t>
+            </a:r>
+            <a:r>
+              <a:rPr lang="en-US" dirty="0"/>
+              <a:t> </a:t>
+            </a:r>
+            <a:r>
+              <a:rPr lang="en-US" dirty="0" err="1"/>
+              <a:t>bagian</a:t>
+            </a:r>
+            <a:r>
+              <a:rPr lang="en-US" dirty="0"/>
+              <a:t> frontend (bootstrap, </a:t>
+            </a:r>
+            <a:r>
+              <a:rPr lang="en-US" dirty="0" err="1"/>
+              <a:t>javascript</a:t>
+            </a:r>
+            <a:r>
+              <a:rPr lang="en-US" dirty="0"/>
+              <a:t> agar </a:t>
+            </a:r>
+            <a:r>
+              <a:rPr lang="en-US" dirty="0" err="1"/>
+              <a:t>lebih</a:t>
+            </a:r>
+            <a:r>
+              <a:rPr lang="en-US" dirty="0"/>
+              <a:t> user-friendly)</a:t>
+            </a:r>
+          </a:p>
+          <a:p>
+            <a:r>
+              <a:rPr lang="en-US" dirty="0"/>
+              <a:t>Update dataset </a:t>
+            </a:r>
+            <a:r>
+              <a:rPr lang="en-US" dirty="0" err="1"/>
+              <a:t>dengan</a:t>
+            </a:r>
+            <a:r>
+              <a:rPr lang="en-US" dirty="0"/>
+              <a:t> </a:t>
+            </a:r>
+            <a:r>
+              <a:rPr lang="en-US" dirty="0" err="1"/>
+              <a:t>membuat</a:t>
+            </a:r>
+            <a:r>
+              <a:rPr lang="en-US" dirty="0"/>
+              <a:t> data scraping </a:t>
+            </a:r>
+            <a:r>
+              <a:rPr lang="en-US" dirty="0" err="1"/>
+              <a:t>dari</a:t>
+            </a:r>
+            <a:r>
+              <a:rPr lang="en-US" dirty="0"/>
+              <a:t> web </a:t>
+            </a:r>
+            <a:r>
+              <a:rPr lang="en-US" dirty="0" err="1"/>
+              <a:t>inShort</a:t>
+            </a:r>
+            <a:r>
+              <a:rPr lang="en-US" dirty="0"/>
+              <a:t>.</a:t>
+            </a:r>
+          </a:p>
+          <a:p>
+            <a:r>
+              <a:rPr lang="en-US" dirty="0" err="1"/>
+              <a:t>Atau</a:t>
+            </a:r>
+            <a:r>
+              <a:rPr lang="en-US" dirty="0"/>
+              <a:t> </a:t>
+            </a:r>
+            <a:r>
+              <a:rPr lang="en-US" dirty="0" err="1"/>
+              <a:t>cari</a:t>
+            </a:r>
+            <a:r>
+              <a:rPr lang="en-US" dirty="0"/>
+              <a:t> dataset lain </a:t>
+            </a:r>
+            <a:r>
+              <a:rPr lang="en-US" dirty="0" err="1"/>
+              <a:t>karena</a:t>
+            </a:r>
+            <a:r>
+              <a:rPr lang="en-US" dirty="0"/>
+              <a:t> dataset </a:t>
+            </a:r>
+            <a:r>
+              <a:rPr lang="en-US" dirty="0" err="1"/>
+              <a:t>inShort</a:t>
+            </a:r>
+            <a:r>
+              <a:rPr lang="en-US" dirty="0"/>
+              <a:t> </a:t>
+            </a:r>
+            <a:r>
+              <a:rPr lang="en-US" dirty="0" err="1"/>
+              <a:t>basisnya</a:t>
+            </a:r>
+            <a:r>
+              <a:rPr lang="en-US" dirty="0"/>
+              <a:t> </a:t>
+            </a:r>
+            <a:r>
+              <a:rPr lang="en-US" dirty="0" err="1"/>
+              <a:t>dari</a:t>
+            </a:r>
+            <a:r>
+              <a:rPr lang="en-US" dirty="0"/>
+              <a:t> India, </a:t>
+            </a:r>
+            <a:r>
+              <a:rPr lang="en-US" dirty="0" err="1"/>
+              <a:t>sehingga</a:t>
+            </a:r>
+            <a:r>
+              <a:rPr lang="en-US" dirty="0"/>
+              <a:t> </a:t>
+            </a:r>
+            <a:r>
+              <a:rPr lang="en-US" dirty="0" err="1"/>
+              <a:t>berita</a:t>
+            </a:r>
+            <a:r>
+              <a:rPr lang="en-US" dirty="0"/>
+              <a:t> </a:t>
+            </a:r>
+            <a:r>
+              <a:rPr lang="en-US" dirty="0" err="1"/>
+              <a:t>bukan</a:t>
+            </a:r>
+            <a:r>
+              <a:rPr lang="en-US" dirty="0"/>
+              <a:t> </a:t>
+            </a:r>
+            <a:r>
+              <a:rPr lang="en-US" dirty="0" err="1"/>
+              <a:t>dari</a:t>
+            </a:r>
+            <a:r>
+              <a:rPr lang="en-US" dirty="0"/>
+              <a:t> India </a:t>
+            </a:r>
+            <a:r>
+              <a:rPr lang="en-US" dirty="0" err="1"/>
+              <a:t>sering</a:t>
+            </a:r>
+            <a:r>
+              <a:rPr lang="en-US" dirty="0"/>
+              <a:t> </a:t>
+            </a:r>
+            <a:r>
+              <a:rPr lang="en-US" dirty="0" err="1"/>
+              <a:t>tidak</a:t>
+            </a:r>
+            <a:r>
+              <a:rPr lang="en-US" dirty="0"/>
+              <a:t> </a:t>
+            </a:r>
+            <a:r>
+              <a:rPr lang="en-US" dirty="0" err="1"/>
+              <a:t>akurat</a:t>
+            </a:r>
+            <a:endParaRPr lang="en-US" dirty="0"/>
+          </a:p>
+        </p:txBody>
+      </p:sp>
+    </p:spTree>
+    <p:extLst>
+      <p:ext uri="{BB962C8B-B14F-4D97-AF65-F5344CB8AC3E}">
+        <p14:creationId xmlns:p14="http://schemas.microsoft.com/office/powerpoint/2010/main" val="2759011316"/>
+      </p:ext>
+    </p:extLst>
+  </p:cSld>
+  <p:clrMapOvr>
+    <a:masterClrMapping/>
+  </p:clrMapOvr>
+</p:sld>
+</file>
+
+<file path=ppt/slides/slide13.xml><?xml version="1.0" encoding="utf-8"?>
+<p:sld xmlns:a="http://schemas.openxmlformats.org/drawingml/2006/main" xmlns:r="http://schemas.openxmlformats.org/officeDocument/2006/relationships" xmlns:p="http://schemas.openxmlformats.org/presentationml/2006/main">
+  <p:cSld>
+    <p:spTree>
+      <p:nvGrpSpPr>
+        <p:cNvPr id="1" name=""/>
+        <p:cNvGrpSpPr/>
+        <p:nvPr/>
+      </p:nvGrpSpPr>
+      <p:grpSpPr>
+        <a:xfrm>
+          <a:off x="0" y="0"/>
+          <a:ext cx="0" cy="0"/>
+          <a:chOff x="0" y="0"/>
+          <a:chExt cx="0" cy="0"/>
+        </a:xfrm>
+      </p:grpSpPr>
+      <p:sp>
+        <p:nvSpPr>
+          <p:cNvPr id="2" name="Title 1">
+            <a:extLst>
+              <a:ext uri="{FF2B5EF4-FFF2-40B4-BE49-F238E27FC236}">
+                <a16:creationId xmlns:a16="http://schemas.microsoft.com/office/drawing/2014/main" id="{4659EC35-DA9D-459B-BCEE-68554F595C8F}"/>
+              </a:ext>
+            </a:extLst>
+          </p:cNvPr>
+          <p:cNvSpPr>
+            <a:spLocks noGrp="1"/>
+          </p:cNvSpPr>
+          <p:nvPr>
+            <p:ph type="ctrTitle"/>
+          </p:nvPr>
+        </p:nvSpPr>
+        <p:spPr/>
+        <p:txBody>
+          <a:bodyPr/>
+          <a:lstStyle/>
+          <a:p>
+            <a:r>
+              <a:rPr lang="en-US" dirty="0"/>
+              <a:t>END</a:t>
+            </a:r>
+            <a:endParaRPr lang="en-ID" dirty="0"/>
+          </a:p>
+        </p:txBody>
+      </p:sp>
+      <p:sp>
+        <p:nvSpPr>
+          <p:cNvPr id="3" name="Subtitle 2">
+            <a:extLst>
+              <a:ext uri="{FF2B5EF4-FFF2-40B4-BE49-F238E27FC236}">
+                <a16:creationId xmlns:a16="http://schemas.microsoft.com/office/drawing/2014/main" id="{C958BB65-3304-42EA-81A7-6651685C34B7}"/>
+              </a:ext>
+            </a:extLst>
+          </p:cNvPr>
+          <p:cNvSpPr>
+            <a:spLocks noGrp="1"/>
+          </p:cNvSpPr>
+          <p:nvPr>
+            <p:ph type="subTitle" idx="1"/>
+          </p:nvPr>
+        </p:nvSpPr>
+        <p:spPr/>
+        <p:txBody>
+          <a:bodyPr/>
+          <a:lstStyle/>
+          <a:p>
+            <a:r>
+              <a:rPr lang="en-US" dirty="0"/>
+              <a:t>Fadhel Hariz Dzulfikar</a:t>
+            </a:r>
+          </a:p>
+          <a:p>
+            <a:r>
+              <a:rPr lang="en-ID"/>
+              <a:t>https://github.com/Ndhel97/QTI_final_project</a:t>
+            </a:r>
+          </a:p>
+          <a:p>
+            <a:endParaRPr lang="en-US" dirty="0"/>
+          </a:p>
+          <a:p>
+            <a:endParaRPr lang="en-ID" dirty="0"/>
+          </a:p>
+        </p:txBody>
+      </p:sp>
+    </p:spTree>
+    <p:extLst>
+      <p:ext uri="{BB962C8B-B14F-4D97-AF65-F5344CB8AC3E}">
+        <p14:creationId xmlns:p14="http://schemas.microsoft.com/office/powerpoint/2010/main" val="3511350181"/>
+      </p:ext>
+    </p:extLst>
+  </p:cSld>
+  <p:clrMapOvr>
+    <a:masterClrMapping/>
+  </p:clrMapOvr>
+</p:sld>
+</file>
+
 <file path=ppt/slides/slide2.xml><?xml version="1.0" encoding="utf-8"?>
 <p:sld xmlns:a="http://schemas.openxmlformats.org/drawingml/2006/main" xmlns:r="http://schemas.openxmlformats.org/officeDocument/2006/relationships" xmlns:p="http://schemas.openxmlformats.org/presentationml/2006/main">
   <p:cSld>
